--- a/2023/关于数字能源+数字货币.pptx
+++ b/2023/关于数字能源+数字货币.pptx
@@ -108,6 +108,11 @@
       </a:defRPr>
     </a:lvl9pPr>
   </p:defaultTextStyle>
+  <p:extLst>
+    <p:ext uri="{EFAFB233-063F-42B5-8137-9DF3F51BA10A}">
+      <p15:sldGuideLst xmlns:p15="http://schemas.microsoft.com/office/powerpoint/2012/main"/>
+    </p:ext>
+  </p:extLst>
 </p:presentation>
 </file>
 
@@ -4963,8 +4968,8 @@
         </p:nvSpPr>
         <p:spPr>
           <a:xfrm>
-            <a:off x="5053073" y="1836532"/>
-            <a:ext cx="6117707" cy="2320507"/>
+            <a:off x="162197" y="1382779"/>
+            <a:ext cx="11867605" cy="4905830"/>
           </a:xfrm>
           <a:prstGeom prst="rect">
             <a:avLst/>
@@ -5163,49 +5168,337 @@
               </a:rPr>
               <a:t>生活缴费功能模块，成功实现了金华市首笔使用数字人民币的缴税业务，标志着数字人民币在金华地区应用场景的进一步丰富。</a:t>
             </a:r>
-          </a:p>
-        </p:txBody>
-      </p:sp>
-      <p:sp>
-        <p:nvSpPr>
-          <p:cNvPr id="45" name="文本框 44">
-            <a:extLst>
-              <a:ext uri="{FF2B5EF4-FFF2-40B4-BE49-F238E27FC236}">
-                <a16:creationId xmlns:a16="http://schemas.microsoft.com/office/drawing/2014/main" id="{37B3D8F6-2602-E046-E9D3-47B502603465}"/>
-              </a:ext>
-            </a:extLst>
-          </p:cNvPr>
-          <p:cNvSpPr txBox="1"/>
-          <p:nvPr/>
-        </p:nvSpPr>
-        <p:spPr>
-          <a:xfrm>
-            <a:off x="9874927" y="4949936"/>
-            <a:ext cx="1553029" cy="338554"/>
-          </a:xfrm>
-          <a:prstGeom prst="rect">
-            <a:avLst/>
-          </a:prstGeom>
-          <a:noFill/>
-        </p:spPr>
-        <p:txBody>
-          <a:bodyPr wrap="square" rtlCol="0">
-            <a:spAutoFit/>
-          </a:bodyPr>
-          <a:lstStyle/>
-          <a:p>
-            <a:pPr algn="ctr"/>
-            <a:r>
-              <a:rPr lang="zh-CN" altLang="en-US" sz="1600" b="1" dirty="0">
-                <a:solidFill>
-                  <a:schemeClr val="bg1"/>
+            <a:endParaRPr lang="en-US" altLang="zh-CN" sz="1400" dirty="0">
+              <a:solidFill>
+                <a:schemeClr val="tx1">
+                  <a:lumMod val="65000"/>
+                  <a:lumOff val="35000"/>
+                </a:schemeClr>
+              </a:solidFill>
+              <a:ea typeface="微软雅黑" panose="020B0503020204020204" pitchFamily="34" charset="-122"/>
+              <a:cs typeface="+mn-ea"/>
+              <a:sym typeface="+mn-lt"/>
+            </a:endParaRPr>
+          </a:p>
+          <a:p>
+            <a:pPr indent="360000" algn="just" fontAlgn="base">
+              <a:lnSpc>
+                <a:spcPct val="150000"/>
+              </a:lnSpc>
+              <a:spcBef>
+                <a:spcPct val="0"/>
+              </a:spcBef>
+              <a:spcAft>
+                <a:spcPct val="0"/>
+              </a:spcAft>
+            </a:pPr>
+            <a:endParaRPr lang="en-US" altLang="zh-CN" sz="1400" dirty="0">
+              <a:solidFill>
+                <a:schemeClr val="tx1">
+                  <a:lumMod val="65000"/>
+                  <a:lumOff val="35000"/>
+                </a:schemeClr>
+              </a:solidFill>
+              <a:ea typeface="微软雅黑" panose="020B0503020204020204" pitchFamily="34" charset="-122"/>
+              <a:cs typeface="+mn-ea"/>
+              <a:sym typeface="+mn-lt"/>
+            </a:endParaRPr>
+          </a:p>
+          <a:p>
+            <a:pPr indent="360000" algn="just" fontAlgn="base">
+              <a:lnSpc>
+                <a:spcPct val="150000"/>
+              </a:lnSpc>
+              <a:spcBef>
+                <a:spcPct val="0"/>
+              </a:spcBef>
+              <a:spcAft>
+                <a:spcPct val="0"/>
+              </a:spcAft>
+            </a:pPr>
+            <a:r>
+              <a:rPr lang="zh-CN" altLang="en-US" sz="1400" b="1" dirty="0">
+                <a:solidFill>
+                  <a:srgbClr val="0070C0"/>
                 </a:solidFill>
                 <a:ea typeface="微软雅黑" panose="020B0503020204020204" pitchFamily="34" charset="-122"/>
                 <a:cs typeface="+mn-ea"/>
                 <a:sym typeface="+mn-lt"/>
               </a:rPr>
-              <a:t>能源经济</a:t>
-            </a:r>
+              <a:t>企业有需求</a:t>
+            </a:r>
+            <a:r>
+              <a:rPr lang="zh-CN" altLang="en-US" sz="1400" dirty="0">
+                <a:solidFill>
+                  <a:schemeClr val="tx1">
+                    <a:lumMod val="65000"/>
+                    <a:lumOff val="35000"/>
+                  </a:schemeClr>
+                </a:solidFill>
+                <a:ea typeface="微软雅黑" panose="020B0503020204020204" pitchFamily="34" charset="-122"/>
+                <a:cs typeface="+mn-ea"/>
+                <a:sym typeface="+mn-lt"/>
+              </a:rPr>
+              <a:t>。许多企业参与绿色电力交易有较强意愿，不少企业表示愿意为绿色电力的环境属性支付额外费用，未来随着更多有意愿的企业参与交易，交易规模将不断扩大。</a:t>
+            </a:r>
+          </a:p>
+          <a:p>
+            <a:pPr indent="360000" algn="just" fontAlgn="base">
+              <a:lnSpc>
+                <a:spcPct val="150000"/>
+              </a:lnSpc>
+              <a:spcBef>
+                <a:spcPct val="0"/>
+              </a:spcBef>
+              <a:spcAft>
+                <a:spcPct val="0"/>
+              </a:spcAft>
+            </a:pPr>
+            <a:r>
+              <a:rPr lang="zh-CN" altLang="en-US" sz="1400" b="1" dirty="0">
+                <a:solidFill>
+                  <a:srgbClr val="0070C0"/>
+                </a:solidFill>
+                <a:ea typeface="微软雅黑" panose="020B0503020204020204" pitchFamily="34" charset="-122"/>
+                <a:cs typeface="+mn-ea"/>
+                <a:sym typeface="+mn-lt"/>
+              </a:rPr>
+              <a:t>地方有意愿</a:t>
+            </a:r>
+            <a:r>
+              <a:rPr lang="zh-CN" altLang="en-US" sz="1400" dirty="0">
+                <a:solidFill>
+                  <a:schemeClr val="tx1">
+                    <a:lumMod val="65000"/>
+                    <a:lumOff val="35000"/>
+                  </a:schemeClr>
+                </a:solidFill>
+                <a:ea typeface="微软雅黑" panose="020B0503020204020204" pitchFamily="34" charset="-122"/>
+                <a:cs typeface="+mn-ea"/>
+                <a:sym typeface="+mn-lt"/>
+              </a:rPr>
+              <a:t>。一些地区已经就绿色电力交易开展了深入研究和基础性工作，对于开展绿色电力交易有很高积极性，同时也希望从国家层面进行总体设计，明确基本标准和规则</a:t>
+            </a:r>
+            <a:r>
+              <a:rPr lang="en-US" altLang="zh-CN" sz="1400" dirty="0">
+                <a:solidFill>
+                  <a:schemeClr val="tx1">
+                    <a:lumMod val="65000"/>
+                    <a:lumOff val="35000"/>
+                  </a:schemeClr>
+                </a:solidFill>
+                <a:ea typeface="微软雅黑" panose="020B0503020204020204" pitchFamily="34" charset="-122"/>
+                <a:cs typeface="+mn-ea"/>
+                <a:sym typeface="+mn-lt"/>
+              </a:rPr>
+              <a:t>.</a:t>
+            </a:r>
+            <a:r>
+              <a:rPr lang="zh-CN" altLang="en-US" sz="1400" dirty="0">
+                <a:solidFill>
+                  <a:schemeClr val="tx1">
+                    <a:lumMod val="65000"/>
+                    <a:lumOff val="35000"/>
+                  </a:schemeClr>
+                </a:solidFill>
+                <a:ea typeface="微软雅黑" panose="020B0503020204020204" pitchFamily="34" charset="-122"/>
+                <a:cs typeface="+mn-ea"/>
+                <a:sym typeface="+mn-lt"/>
+              </a:rPr>
+              <a:t>。</a:t>
+            </a:r>
+            <a:endParaRPr lang="en-US" altLang="zh-CN" sz="1400" dirty="0">
+              <a:solidFill>
+                <a:schemeClr val="tx1">
+                  <a:lumMod val="65000"/>
+                  <a:lumOff val="35000"/>
+                </a:schemeClr>
+              </a:solidFill>
+              <a:ea typeface="微软雅黑" panose="020B0503020204020204" pitchFamily="34" charset="-122"/>
+              <a:cs typeface="+mn-ea"/>
+              <a:sym typeface="+mn-lt"/>
+            </a:endParaRPr>
+          </a:p>
+          <a:p>
+            <a:pPr indent="360000" algn="just" fontAlgn="base">
+              <a:lnSpc>
+                <a:spcPct val="150000"/>
+              </a:lnSpc>
+              <a:spcBef>
+                <a:spcPct val="0"/>
+              </a:spcBef>
+              <a:spcAft>
+                <a:spcPct val="0"/>
+              </a:spcAft>
+            </a:pPr>
+            <a:r>
+              <a:rPr lang="zh-CN" altLang="en-US" sz="1400" b="1" dirty="0">
+                <a:solidFill>
+                  <a:srgbClr val="0070C0"/>
+                </a:solidFill>
+                <a:ea typeface="微软雅黑" panose="020B0503020204020204" pitchFamily="34" charset="-122"/>
+                <a:cs typeface="+mn-ea"/>
+                <a:sym typeface="+mn-lt"/>
+              </a:rPr>
+              <a:t>技术可实现</a:t>
+            </a:r>
+            <a:r>
+              <a:rPr lang="zh-CN" altLang="en-US" sz="1400" dirty="0">
+                <a:solidFill>
+                  <a:schemeClr val="tx1">
+                    <a:lumMod val="65000"/>
+                    <a:lumOff val="35000"/>
+                  </a:schemeClr>
+                </a:solidFill>
+                <a:ea typeface="微软雅黑" panose="020B0503020204020204" pitchFamily="34" charset="-122"/>
+                <a:cs typeface="+mn-ea"/>
+                <a:sym typeface="+mn-lt"/>
+              </a:rPr>
+              <a:t>。利用区块链等新技术，可以全面记录绿色电力生产、交易、消费等各环节信息，保证不可篡改，实现绿色电力全生命周期追踪。目前，国家电网已将基于区块链的绿色证书交易系统申请专利。</a:t>
+            </a:r>
+          </a:p>
+          <a:p>
+            <a:pPr indent="360000" algn="just" fontAlgn="base">
+              <a:lnSpc>
+                <a:spcPct val="150000"/>
+              </a:lnSpc>
+              <a:spcBef>
+                <a:spcPct val="0"/>
+              </a:spcBef>
+              <a:spcAft>
+                <a:spcPct val="0"/>
+              </a:spcAft>
+            </a:pPr>
+            <a:r>
+              <a:rPr lang="zh-CN" altLang="en-US" sz="1400" b="1" dirty="0">
+                <a:solidFill>
+                  <a:srgbClr val="0070C0"/>
+                </a:solidFill>
+                <a:ea typeface="微软雅黑" panose="020B0503020204020204" pitchFamily="34" charset="-122"/>
+                <a:cs typeface="+mn-ea"/>
+                <a:sym typeface="+mn-lt"/>
+              </a:rPr>
+              <a:t>交易可组织</a:t>
+            </a:r>
+            <a:r>
+              <a:rPr lang="zh-CN" altLang="en-US" sz="1400" dirty="0">
+                <a:solidFill>
+                  <a:schemeClr val="tx1">
+                    <a:lumMod val="65000"/>
+                    <a:lumOff val="35000"/>
+                  </a:schemeClr>
+                </a:solidFill>
+                <a:ea typeface="微软雅黑" panose="020B0503020204020204" pitchFamily="34" charset="-122"/>
+                <a:cs typeface="+mn-ea"/>
+                <a:sym typeface="+mn-lt"/>
+              </a:rPr>
+              <a:t>。北京电力交易中心、广州电力交易中心进行了大量研究工作，目前交易平台已实现价格形成、合同签订、优先执行</a:t>
+            </a:r>
+            <a:r>
+              <a:rPr lang="en-US" altLang="zh-CN" sz="1400" dirty="0">
+                <a:solidFill>
+                  <a:schemeClr val="tx1">
+                    <a:lumMod val="65000"/>
+                    <a:lumOff val="35000"/>
+                  </a:schemeClr>
+                </a:solidFill>
+                <a:ea typeface="微软雅黑" panose="020B0503020204020204" pitchFamily="34" charset="-122"/>
+                <a:cs typeface="+mn-ea"/>
+                <a:sym typeface="+mn-lt"/>
+              </a:rPr>
+              <a:t>(</a:t>
+            </a:r>
+            <a:r>
+              <a:rPr lang="zh-CN" altLang="en-US" sz="1400" dirty="0">
+                <a:solidFill>
+                  <a:schemeClr val="tx1">
+                    <a:lumMod val="65000"/>
+                    <a:lumOff val="35000"/>
+                  </a:schemeClr>
+                </a:solidFill>
+                <a:ea typeface="微软雅黑" panose="020B0503020204020204" pitchFamily="34" charset="-122"/>
+                <a:cs typeface="+mn-ea"/>
+                <a:sym typeface="+mn-lt"/>
+              </a:rPr>
+              <a:t>出清</a:t>
+            </a:r>
+            <a:r>
+              <a:rPr lang="en-US" altLang="zh-CN" sz="1400" dirty="0">
+                <a:solidFill>
+                  <a:schemeClr val="tx1">
+                    <a:lumMod val="65000"/>
+                    <a:lumOff val="35000"/>
+                  </a:schemeClr>
+                </a:solidFill>
+                <a:ea typeface="微软雅黑" panose="020B0503020204020204" pitchFamily="34" charset="-122"/>
+                <a:cs typeface="+mn-ea"/>
+                <a:sym typeface="+mn-lt"/>
+              </a:rPr>
+              <a:t>)</a:t>
+            </a:r>
+            <a:r>
+              <a:rPr lang="zh-CN" altLang="en-US" sz="1400" dirty="0">
+                <a:solidFill>
+                  <a:schemeClr val="tx1">
+                    <a:lumMod val="65000"/>
+                    <a:lumOff val="35000"/>
+                  </a:schemeClr>
+                </a:solidFill>
+                <a:ea typeface="微软雅黑" panose="020B0503020204020204" pitchFamily="34" charset="-122"/>
+                <a:cs typeface="+mn-ea"/>
+                <a:sym typeface="+mn-lt"/>
+              </a:rPr>
+              <a:t>、优先结算等满足绿色电力交易需求的功能。</a:t>
+            </a:r>
+          </a:p>
+          <a:p>
+            <a:pPr indent="360000" algn="just" fontAlgn="base">
+              <a:lnSpc>
+                <a:spcPct val="150000"/>
+              </a:lnSpc>
+              <a:spcBef>
+                <a:spcPct val="0"/>
+              </a:spcBef>
+              <a:spcAft>
+                <a:spcPct val="0"/>
+              </a:spcAft>
+            </a:pPr>
+            <a:r>
+              <a:rPr lang="zh-CN" altLang="en-US" sz="1400" b="1" dirty="0">
+                <a:solidFill>
+                  <a:srgbClr val="0070C0"/>
+                </a:solidFill>
+                <a:ea typeface="微软雅黑" panose="020B0503020204020204" pitchFamily="34" charset="-122"/>
+                <a:cs typeface="+mn-ea"/>
+                <a:sym typeface="+mn-lt"/>
+              </a:rPr>
+              <a:t>各方面已形成共识</a:t>
+            </a:r>
+            <a:r>
+              <a:rPr lang="zh-CN" altLang="en-US" sz="1400" dirty="0">
+                <a:solidFill>
+                  <a:schemeClr val="tx1">
+                    <a:lumMod val="65000"/>
+                    <a:lumOff val="35000"/>
+                  </a:schemeClr>
+                </a:solidFill>
+                <a:ea typeface="微软雅黑" panose="020B0503020204020204" pitchFamily="34" charset="-122"/>
+                <a:cs typeface="+mn-ea"/>
+                <a:sym typeface="+mn-lt"/>
+              </a:rPr>
+              <a:t>。各方普遍认为我国率先开展绿色电力交易意义重大，不仅对落实双碳目标、构建新型电力系统具有重要支撑作用，而且将会为全球可再生能源发展提供中国方案。随着新能源成为电力系统的主体，绿色电力交易也将在电力市场体系中发挥越来越重要的作用。</a:t>
+            </a:r>
+            <a:endParaRPr lang="en-US" altLang="zh-CN" sz="1400" dirty="0">
+              <a:solidFill>
+                <a:schemeClr val="tx1">
+                  <a:lumMod val="65000"/>
+                  <a:lumOff val="35000"/>
+                </a:schemeClr>
+              </a:solidFill>
+              <a:ea typeface="微软雅黑" panose="020B0503020204020204" pitchFamily="34" charset="-122"/>
+              <a:cs typeface="+mn-ea"/>
+              <a:sym typeface="+mn-lt"/>
+            </a:endParaRPr>
           </a:p>
         </p:txBody>
       </p:sp>
@@ -5346,10 +5639,10 @@
       </p:grpSp>
       <p:cxnSp>
         <p:nvCxnSpPr>
-          <p:cNvPr id="2" name="直接连接符 1">
-            <a:extLst>
-              <a:ext uri="{FF2B5EF4-FFF2-40B4-BE49-F238E27FC236}">
-                <a16:creationId xmlns:a16="http://schemas.microsoft.com/office/drawing/2014/main" id="{33897D6F-2ECF-CB4F-CC05-A00D9A199825}"/>
+          <p:cNvPr id="4" name="直接连接符 3">
+            <a:extLst>
+              <a:ext uri="{FF2B5EF4-FFF2-40B4-BE49-F238E27FC236}">
+                <a16:creationId xmlns:a16="http://schemas.microsoft.com/office/drawing/2014/main" id="{1EEB887A-D8FE-FC15-84D7-DAAE0C563C6F}"/>
               </a:ext>
             </a:extLst>
           </p:cNvPr>
@@ -5358,15 +5651,17 @@
         </p:nvCxnSpPr>
         <p:spPr>
           <a:xfrm>
-            <a:off x="3927413" y="1359500"/>
-            <a:ext cx="734291" cy="0"/>
+            <a:off x="973883" y="5600700"/>
+            <a:ext cx="1612058" cy="1889203"/>
           </a:xfrm>
           <a:prstGeom prst="line">
             <a:avLst/>
           </a:prstGeom>
           <a:ln w="12700">
             <a:solidFill>
-              <a:srgbClr val="0070C0"/>
+              <a:schemeClr val="accent1">
+                <a:alpha val="21000"/>
+              </a:schemeClr>
             </a:solidFill>
           </a:ln>
         </p:spPr>
@@ -5387,10 +5682,10 @@
       </p:cxnSp>
       <p:cxnSp>
         <p:nvCxnSpPr>
-          <p:cNvPr id="3" name="直接连接符 2">
-            <a:extLst>
-              <a:ext uri="{FF2B5EF4-FFF2-40B4-BE49-F238E27FC236}">
-                <a16:creationId xmlns:a16="http://schemas.microsoft.com/office/drawing/2014/main" id="{4668422D-C436-9CE1-59A2-C4834C251D7C}"/>
+          <p:cNvPr id="7" name="直接连接符 6">
+            <a:extLst>
+              <a:ext uri="{FF2B5EF4-FFF2-40B4-BE49-F238E27FC236}">
+                <a16:creationId xmlns:a16="http://schemas.microsoft.com/office/drawing/2014/main" id="{34BE5205-A89D-0AF2-8E0E-8C03A109A575}"/>
               </a:ext>
             </a:extLst>
           </p:cNvPr>
@@ -5398,16 +5693,18 @@
           <p:nvPr/>
         </p:nvCxnSpPr>
         <p:spPr>
-          <a:xfrm rot="5400000">
-            <a:off x="4289289" y="1726646"/>
-            <a:ext cx="734291" cy="0"/>
+          <a:xfrm>
+            <a:off x="-2434804" y="899755"/>
+            <a:ext cx="4214716" cy="4939309"/>
           </a:xfrm>
           <a:prstGeom prst="line">
             <a:avLst/>
           </a:prstGeom>
           <a:ln w="12700">
             <a:solidFill>
-              <a:srgbClr val="0070C0"/>
+              <a:schemeClr val="accent1">
+                <a:alpha val="21000"/>
+              </a:schemeClr>
             </a:solidFill>
           </a:ln>
         </p:spPr>
@@ -5426,270 +5723,6 @@
           </a:fontRef>
         </p:style>
       </p:cxnSp>
-      <p:grpSp>
-        <p:nvGrpSpPr>
-          <p:cNvPr id="5" name="组合 4">
-            <a:extLst>
-              <a:ext uri="{FF2B5EF4-FFF2-40B4-BE49-F238E27FC236}">
-                <a16:creationId xmlns:a16="http://schemas.microsoft.com/office/drawing/2014/main" id="{5BC3BEC0-5B6B-ADCB-CA0C-E76E27F47DB6}"/>
-              </a:ext>
-            </a:extLst>
-          </p:cNvPr>
-          <p:cNvGrpSpPr/>
-          <p:nvPr/>
-        </p:nvGrpSpPr>
-        <p:grpSpPr>
-          <a:xfrm rot="10800000">
-            <a:off x="396978" y="3935074"/>
-            <a:ext cx="734291" cy="734291"/>
-            <a:chOff x="4558146" y="1947144"/>
-            <a:chExt cx="734291" cy="734291"/>
-          </a:xfrm>
-        </p:grpSpPr>
-        <p:cxnSp>
-          <p:nvCxnSpPr>
-            <p:cNvPr id="6" name="直接连接符 5">
-              <a:extLst>
-                <a:ext uri="{FF2B5EF4-FFF2-40B4-BE49-F238E27FC236}">
-                  <a16:creationId xmlns:a16="http://schemas.microsoft.com/office/drawing/2014/main" id="{D5033B98-8306-329E-ECEC-E334BEC4D5C3}"/>
-                </a:ext>
-              </a:extLst>
-            </p:cNvPr>
-            <p:cNvCxnSpPr/>
-            <p:nvPr/>
-          </p:nvCxnSpPr>
-          <p:spPr>
-            <a:xfrm>
-              <a:off x="4558146" y="1947144"/>
-              <a:ext cx="734291" cy="0"/>
-            </a:xfrm>
-            <a:prstGeom prst="line">
-              <a:avLst/>
-            </a:prstGeom>
-            <a:ln w="12700">
-              <a:solidFill>
-                <a:srgbClr val="0070C0"/>
-              </a:solidFill>
-            </a:ln>
-          </p:spPr>
-          <p:style>
-            <a:lnRef idx="1">
-              <a:schemeClr val="accent1"/>
-            </a:lnRef>
-            <a:fillRef idx="0">
-              <a:schemeClr val="accent1"/>
-            </a:fillRef>
-            <a:effectRef idx="0">
-              <a:schemeClr val="accent1"/>
-            </a:effectRef>
-            <a:fontRef idx="minor">
-              <a:schemeClr val="tx1"/>
-            </a:fontRef>
-          </p:style>
-        </p:cxnSp>
-        <p:cxnSp>
-          <p:nvCxnSpPr>
-            <p:cNvPr id="8" name="直接连接符 7">
-              <a:extLst>
-                <a:ext uri="{FF2B5EF4-FFF2-40B4-BE49-F238E27FC236}">
-                  <a16:creationId xmlns:a16="http://schemas.microsoft.com/office/drawing/2014/main" id="{E33D2A4E-BBE9-42E4-ED05-DE6B172FF0B1}"/>
-                </a:ext>
-              </a:extLst>
-            </p:cNvPr>
-            <p:cNvCxnSpPr/>
-            <p:nvPr/>
-          </p:nvCxnSpPr>
-          <p:spPr>
-            <a:xfrm rot="5400000">
-              <a:off x="4920022" y="2314290"/>
-              <a:ext cx="734291" cy="0"/>
-            </a:xfrm>
-            <a:prstGeom prst="line">
-              <a:avLst/>
-            </a:prstGeom>
-            <a:ln w="12700">
-              <a:solidFill>
-                <a:srgbClr val="0070C0"/>
-              </a:solidFill>
-            </a:ln>
-          </p:spPr>
-          <p:style>
-            <a:lnRef idx="1">
-              <a:schemeClr val="accent1"/>
-            </a:lnRef>
-            <a:fillRef idx="0">
-              <a:schemeClr val="accent1"/>
-            </a:fillRef>
-            <a:effectRef idx="0">
-              <a:schemeClr val="accent1"/>
-            </a:effectRef>
-            <a:fontRef idx="minor">
-              <a:schemeClr val="tx1"/>
-            </a:fontRef>
-          </p:style>
-        </p:cxnSp>
-      </p:grpSp>
-      <p:pic>
-        <p:nvPicPr>
-          <p:cNvPr id="13" name="图片 12">
-            <a:extLst>
-              <a:ext uri="{FF2B5EF4-FFF2-40B4-BE49-F238E27FC236}">
-                <a16:creationId xmlns:a16="http://schemas.microsoft.com/office/drawing/2014/main" id="{39283D59-F247-DE94-BE82-C5BA3F739BA9}"/>
-              </a:ext>
-            </a:extLst>
-          </p:cNvPr>
-          <p:cNvPicPr>
-            <a:picLocks noChangeAspect="1"/>
-          </p:cNvPicPr>
-          <p:nvPr/>
-        </p:nvPicPr>
-        <p:blipFill rotWithShape="1">
-          <a:blip r:embed="rId3">
-            <a:extLst>
-              <a:ext uri="{28A0092B-C50C-407E-A947-70E740481C1C}">
-                <a14:useLocalDpi xmlns:a14="http://schemas.microsoft.com/office/drawing/2010/main" val="0"/>
-              </a:ext>
-            </a:extLst>
-          </a:blip>
-          <a:srcRect l="12810" r="6106"/>
-          <a:stretch/>
-        </p:blipFill>
-        <p:spPr>
-          <a:xfrm>
-            <a:off x="589142" y="1507851"/>
-            <a:ext cx="3906359" cy="2992237"/>
-          </a:xfrm>
-          <a:prstGeom prst="rect">
-            <a:avLst/>
-          </a:prstGeom>
-          <a:effectLst>
-            <a:outerShdw blurRad="254000" dist="63500" dir="2700000" algn="ctr" rotWithShape="0">
-              <a:srgbClr val="000000">
-                <a:alpha val="30000"/>
-              </a:srgbClr>
-            </a:outerShdw>
-          </a:effectLst>
-        </p:spPr>
-      </p:pic>
-      <p:sp>
-        <p:nvSpPr>
-          <p:cNvPr id="14" name="文本框 13">
-            <a:extLst>
-              <a:ext uri="{FF2B5EF4-FFF2-40B4-BE49-F238E27FC236}">
-                <a16:creationId xmlns:a16="http://schemas.microsoft.com/office/drawing/2014/main" id="{A491B1A7-FE64-3035-DECD-997347E33699}"/>
-              </a:ext>
-            </a:extLst>
-          </p:cNvPr>
-          <p:cNvSpPr txBox="1"/>
-          <p:nvPr/>
-        </p:nvSpPr>
-        <p:spPr>
-          <a:xfrm>
-            <a:off x="589143" y="5007086"/>
-            <a:ext cx="10581638" cy="1351011"/>
-          </a:xfrm>
-          <a:prstGeom prst="rect">
-            <a:avLst/>
-          </a:prstGeom>
-          <a:noFill/>
-        </p:spPr>
-        <p:txBody>
-          <a:bodyPr wrap="square" rtlCol="0">
-            <a:spAutoFit/>
-          </a:bodyPr>
-          <a:lstStyle/>
-          <a:p>
-            <a:pPr indent="360000" algn="just" fontAlgn="base">
-              <a:lnSpc>
-                <a:spcPct val="150000"/>
-              </a:lnSpc>
-              <a:spcBef>
-                <a:spcPct val="0"/>
-              </a:spcBef>
-              <a:spcAft>
-                <a:spcPct val="0"/>
-              </a:spcAft>
-            </a:pPr>
-            <a:r>
-              <a:rPr lang="zh-CN" altLang="en-US" sz="1400" b="1" dirty="0">
-                <a:solidFill>
-                  <a:srgbClr val="0070C0"/>
-                </a:solidFill>
-                <a:ea typeface="微软雅黑" panose="020B0503020204020204" pitchFamily="34" charset="-122"/>
-                <a:cs typeface="+mn-ea"/>
-                <a:sym typeface="+mn-lt"/>
-              </a:rPr>
-              <a:t>企业有需求</a:t>
-            </a:r>
-            <a:r>
-              <a:rPr lang="zh-CN" altLang="en-US" sz="1400" dirty="0">
-                <a:solidFill>
-                  <a:schemeClr val="tx1">
-                    <a:lumMod val="65000"/>
-                    <a:lumOff val="35000"/>
-                  </a:schemeClr>
-                </a:solidFill>
-                <a:ea typeface="微软雅黑" panose="020B0503020204020204" pitchFamily="34" charset="-122"/>
-                <a:cs typeface="+mn-ea"/>
-                <a:sym typeface="+mn-lt"/>
-              </a:rPr>
-              <a:t>。许多企业参与绿色电力交易有较强意愿，不少企业表示愿意为绿色电力的环境属性支付额外费用，未来随着更多有意愿的企业参与交易，交易规模将不断扩大。</a:t>
-            </a:r>
-          </a:p>
-          <a:p>
-            <a:pPr indent="360000" algn="just" fontAlgn="base">
-              <a:lnSpc>
-                <a:spcPct val="150000"/>
-              </a:lnSpc>
-              <a:spcBef>
-                <a:spcPct val="0"/>
-              </a:spcBef>
-              <a:spcAft>
-                <a:spcPct val="0"/>
-              </a:spcAft>
-            </a:pPr>
-            <a:r>
-              <a:rPr lang="zh-CN" altLang="en-US" sz="1400" b="1" dirty="0">
-                <a:solidFill>
-                  <a:srgbClr val="0070C0"/>
-                </a:solidFill>
-                <a:ea typeface="微软雅黑" panose="020B0503020204020204" pitchFamily="34" charset="-122"/>
-                <a:cs typeface="+mn-ea"/>
-                <a:sym typeface="+mn-lt"/>
-              </a:rPr>
-              <a:t>地方有意愿</a:t>
-            </a:r>
-            <a:r>
-              <a:rPr lang="zh-CN" altLang="en-US" sz="1400" dirty="0">
-                <a:solidFill>
-                  <a:schemeClr val="tx1">
-                    <a:lumMod val="65000"/>
-                    <a:lumOff val="35000"/>
-                  </a:schemeClr>
-                </a:solidFill>
-                <a:ea typeface="微软雅黑" panose="020B0503020204020204" pitchFamily="34" charset="-122"/>
-                <a:cs typeface="+mn-ea"/>
-                <a:sym typeface="+mn-lt"/>
-              </a:rPr>
-              <a:t>。一些地区已经就绿色电力交易开展了深入研究和基础性工作，对于开展绿色电力交易有很高积极性，同时也希望从国家层面进行总体设计，明确基本标准和规则</a:t>
-            </a:r>
-            <a:r>
-              <a:rPr lang="en-US" altLang="zh-CN" sz="1400" dirty="0">
-                <a:solidFill>
-                  <a:schemeClr val="tx1">
-                    <a:lumMod val="65000"/>
-                    <a:lumOff val="35000"/>
-                  </a:schemeClr>
-                </a:solidFill>
-                <a:ea typeface="微软雅黑" panose="020B0503020204020204" pitchFamily="34" charset="-122"/>
-                <a:cs typeface="+mn-ea"/>
-                <a:sym typeface="+mn-lt"/>
-              </a:rPr>
-              <a:t>.</a:t>
-            </a:r>
-          </a:p>
-        </p:txBody>
-      </p:sp>
     </p:spTree>
     <p:extLst>
       <p:ext uri="{BB962C8B-B14F-4D97-AF65-F5344CB8AC3E}">
